--- a/Poli Júnior + Dice&Co.pptx
+++ b/Poli Júnior + Dice&Co.pptx
@@ -12239,8 +12239,8 @@
         </p:nvSpPr>
         <p:spPr>
           <a:xfrm>
-            <a:off x="265964" y="643991"/>
-            <a:ext cx="4163100" cy="615523"/>
+            <a:off x="43222" y="454001"/>
+            <a:ext cx="5050341" cy="3200846"/>
           </a:xfrm>
           <a:prstGeom prst="rect">
             <a:avLst/>
@@ -12266,24 +12266,209 @@
               <a:buNone/>
             </a:pPr>
             <a:r>
-              <a:rPr lang="pt-BR" dirty="0">
+              <a:rPr lang="pt-BR" b="1" dirty="0">
+                <a:solidFill>
+                  <a:srgbClr val="7030A0"/>
+                </a:solidFill>
                 <a:latin typeface="Poppins"/>
                 <a:ea typeface="Poppins"/>
                 <a:cs typeface="Poppins"/>
                 <a:sym typeface="Poppins"/>
               </a:rPr>
-              <a:t>Reconhecimento do problema (falta fazer, </a:t>
+              <a:t>Reconhecimento do problema:</a:t>
             </a:r>
+          </a:p>
+          <a:p>
+            <a:pPr marL="0" lvl="0" indent="0" algn="just" rtl="0">
+              <a:spcBef>
+                <a:spcPts val="0"/>
+              </a:spcBef>
+              <a:spcAft>
+                <a:spcPts val="0"/>
+              </a:spcAft>
+              <a:buNone/>
+            </a:pPr>
+            <a:endParaRPr lang="pt-BR" b="1" dirty="0">
+              <a:solidFill>
+                <a:srgbClr val="7030A0"/>
+              </a:solidFill>
+              <a:latin typeface="Poppins"/>
+              <a:ea typeface="Poppins"/>
+              <a:cs typeface="Poppins"/>
+              <a:sym typeface="Poppins"/>
+            </a:endParaRPr>
+          </a:p>
+          <a:p>
+            <a:pPr marL="0" lvl="0" indent="0" algn="just" rtl="0">
+              <a:spcBef>
+                <a:spcPts val="0"/>
+              </a:spcBef>
+              <a:spcAft>
+                <a:spcPts val="0"/>
+              </a:spcAft>
+              <a:buNone/>
+            </a:pPr>
             <a:r>
-              <a:rPr lang="pt-BR">
+              <a:rPr lang="pt-BR" dirty="0">
+                <a:solidFill>
+                  <a:schemeClr val="tx1"/>
+                </a:solidFill>
                 <a:latin typeface="Poppins"/>
                 <a:ea typeface="Poppins"/>
                 <a:cs typeface="Poppins"/>
                 <a:sym typeface="Poppins"/>
               </a:rPr>
-              <a:t>sem problemas)</a:t>
+              <a:t>Hoje, a </a:t>
+            </a:r>
+            <a:r>
+              <a:rPr lang="pt-BR" dirty="0" err="1">
+                <a:solidFill>
+                  <a:schemeClr val="tx1"/>
+                </a:solidFill>
+                <a:latin typeface="Poppins"/>
+                <a:ea typeface="Poppins"/>
+                <a:cs typeface="Poppins"/>
+                <a:sym typeface="Poppins"/>
+              </a:rPr>
+              <a:t>Dice&amp;Co</a:t>
+            </a:r>
+            <a:r>
+              <a:rPr lang="pt-BR" dirty="0">
+                <a:solidFill>
+                  <a:schemeClr val="tx1"/>
+                </a:solidFill>
+                <a:latin typeface="Poppins"/>
+                <a:ea typeface="Poppins"/>
+                <a:cs typeface="Poppins"/>
+                <a:sym typeface="Poppins"/>
+              </a:rPr>
+              <a:t> não possui conhecimentos tão consolidados acerca de quais jogos devem priorizar dentro dos quais vendem. Acreditam num comportamento de consumo que depende da experiência com jogos já comprados.</a:t>
+            </a:r>
+          </a:p>
+          <a:p>
+            <a:pPr marL="0" lvl="0" indent="0" algn="just" rtl="0">
+              <a:spcBef>
+                <a:spcPts val="0"/>
+              </a:spcBef>
+              <a:spcAft>
+                <a:spcPts val="0"/>
+              </a:spcAft>
+              <a:buNone/>
+            </a:pPr>
+            <a:endParaRPr lang="pt-BR" dirty="0">
+              <a:solidFill>
+                <a:schemeClr val="tx1"/>
+              </a:solidFill>
+              <a:latin typeface="Poppins"/>
+              <a:ea typeface="Poppins"/>
+              <a:cs typeface="Poppins"/>
+              <a:sym typeface="Poppins"/>
+            </a:endParaRPr>
+          </a:p>
+          <a:p>
+            <a:pPr marL="0" lvl="0" indent="0" algn="just" rtl="0">
+              <a:spcBef>
+                <a:spcPts val="0"/>
+              </a:spcBef>
+              <a:spcAft>
+                <a:spcPts val="0"/>
+              </a:spcAft>
+              <a:buNone/>
+            </a:pPr>
+            <a:endParaRPr lang="pt-BR" dirty="0">
+              <a:solidFill>
+                <a:schemeClr val="tx1"/>
+              </a:solidFill>
+              <a:latin typeface="Poppins"/>
+              <a:ea typeface="Poppins"/>
+              <a:cs typeface="Poppins"/>
+              <a:sym typeface="Poppins"/>
+            </a:endParaRPr>
+          </a:p>
+          <a:p>
+            <a:pPr marL="0" lvl="0" indent="0" algn="just" rtl="0">
+              <a:spcBef>
+                <a:spcPts val="0"/>
+              </a:spcBef>
+              <a:spcAft>
+                <a:spcPts val="0"/>
+              </a:spcAft>
+              <a:buNone/>
+            </a:pPr>
+            <a:r>
+              <a:rPr lang="pt-BR" b="1" dirty="0">
+                <a:solidFill>
+                  <a:srgbClr val="7030A0"/>
+                </a:solidFill>
+                <a:latin typeface="Poppins"/>
+                <a:ea typeface="Poppins"/>
+                <a:cs typeface="Poppins"/>
+                <a:sym typeface="Poppins"/>
+              </a:rPr>
+              <a:t>Perspectivas Futuras:</a:t>
+            </a:r>
+          </a:p>
+          <a:p>
+            <a:pPr marL="0" lvl="0" indent="0" algn="just" rtl="0">
+              <a:spcBef>
+                <a:spcPts val="0"/>
+              </a:spcBef>
+              <a:spcAft>
+                <a:spcPts val="0"/>
+              </a:spcAft>
+              <a:buNone/>
+            </a:pPr>
+            <a:br>
+              <a:rPr lang="pt-BR" dirty="0">
+                <a:solidFill>
+                  <a:srgbClr val="7030A0"/>
+                </a:solidFill>
+                <a:latin typeface="Poppins"/>
+                <a:ea typeface="Poppins"/>
+                <a:cs typeface="Poppins"/>
+                <a:sym typeface="Poppins"/>
+              </a:rPr>
+            </a:br>
+            <a:r>
+              <a:rPr lang="pt-BR" dirty="0">
+                <a:solidFill>
+                  <a:schemeClr val="tx1"/>
+                </a:solidFill>
+                <a:latin typeface="Poppins"/>
+                <a:ea typeface="Poppins"/>
+                <a:cs typeface="Poppins"/>
+                <a:sym typeface="Poppins"/>
+              </a:rPr>
+              <a:t>Receber um panorama das relações entre as características dos jogos das </a:t>
+            </a:r>
+            <a:r>
+              <a:rPr lang="pt-BR" dirty="0" err="1">
+                <a:solidFill>
+                  <a:schemeClr val="tx1"/>
+                </a:solidFill>
+                <a:latin typeface="Poppins"/>
+                <a:ea typeface="Poppins"/>
+                <a:cs typeface="Poppins"/>
+                <a:sym typeface="Poppins"/>
+              </a:rPr>
+              <a:t>Dice&amp;Co</a:t>
+            </a:r>
+            <a:r>
+              <a:rPr lang="pt-BR" dirty="0">
+                <a:solidFill>
+                  <a:schemeClr val="tx1"/>
+                </a:solidFill>
+                <a:latin typeface="Poppins"/>
+                <a:ea typeface="Poppins"/>
+                <a:cs typeface="Poppins"/>
+                <a:sym typeface="Poppins"/>
+              </a:rPr>
+              <a:t>. Decidir quais jogos promover com mais intensidade.</a:t>
             </a:r>
             <a:endParaRPr dirty="0">
+              <a:solidFill>
+                <a:schemeClr val="tx1"/>
+              </a:solidFill>
               <a:latin typeface="Poppins"/>
               <a:ea typeface="Poppins"/>
               <a:cs typeface="Poppins"/>
@@ -12472,7 +12657,7 @@
                   <a:schemeClr val="dk1"/>
                 </a:solidFill>
               </a:rPr>
-              <a:t>Avaliar a qualidade de cada jogo com base em métricas como o rating. Isso nos ajudará a determinar se um jogo é considerado bom ou não pelos jogadores.</a:t>
+              <a:t>Avaliar a qualidade de cada jogo com base em métricas como o rating. Isso nos ajudará a determinar se um jogo é considerado bom, popular ou não pelos jogadores.</a:t>
             </a:r>
             <a:endParaRPr lang="pt-BR" sz="1100" dirty="0"/>
           </a:p>
@@ -14578,36 +14763,6 @@
           </a:p>
         </p:txBody>
       </p:sp>
-      <p:pic>
-        <p:nvPicPr>
-          <p:cNvPr id="6" name="Imagem 5">
-            <a:extLst>
-              <a:ext uri="{FF2B5EF4-FFF2-40B4-BE49-F238E27FC236}">
-                <a16:creationId xmlns:a16="http://schemas.microsoft.com/office/drawing/2014/main" id="{63BC16D2-8A54-09AB-B226-777592A342A0}"/>
-              </a:ext>
-            </a:extLst>
-          </p:cNvPr>
-          <p:cNvPicPr>
-            <a:picLocks noChangeAspect="1"/>
-          </p:cNvPicPr>
-          <p:nvPr/>
-        </p:nvPicPr>
-        <p:blipFill>
-          <a:blip r:embed="rId4"/>
-          <a:stretch>
-            <a:fillRect/>
-          </a:stretch>
-        </p:blipFill>
-        <p:spPr>
-          <a:xfrm>
-            <a:off x="0" y="1212472"/>
-            <a:ext cx="3250529" cy="2657218"/>
-          </a:xfrm>
-          <a:prstGeom prst="rect">
-            <a:avLst/>
-          </a:prstGeom>
-        </p:spPr>
-      </p:pic>
       <p:sp>
         <p:nvSpPr>
           <p:cNvPr id="7" name="CaixaDeTexto 6">
@@ -14840,6 +14995,36 @@
           </a:p>
         </p:txBody>
       </p:sp>
+      <p:pic>
+        <p:nvPicPr>
+          <p:cNvPr id="13" name="Imagem 12">
+            <a:extLst>
+              <a:ext uri="{FF2B5EF4-FFF2-40B4-BE49-F238E27FC236}">
+                <a16:creationId xmlns:a16="http://schemas.microsoft.com/office/drawing/2014/main" id="{0DFC3333-87F5-C282-2962-612B5553239A}"/>
+              </a:ext>
+            </a:extLst>
+          </p:cNvPr>
+          <p:cNvPicPr>
+            <a:picLocks noChangeAspect="1"/>
+          </p:cNvPicPr>
+          <p:nvPr/>
+        </p:nvPicPr>
+        <p:blipFill>
+          <a:blip r:embed="rId4"/>
+          <a:stretch>
+            <a:fillRect/>
+          </a:stretch>
+        </p:blipFill>
+        <p:spPr>
+          <a:xfrm>
+            <a:off x="118495" y="1269379"/>
+            <a:ext cx="3112726" cy="2525982"/>
+          </a:xfrm>
+          <a:prstGeom prst="rect">
+            <a:avLst/>
+          </a:prstGeom>
+        </p:spPr>
+      </p:pic>
     </p:spTree>
   </p:cSld>
   <p:clrMapOvr>

--- a/Poli Júnior + Dice&Co.pptx
+++ b/Poli Júnior + Dice&Co.pptx
@@ -5,7 +5,7 @@
     <p:sldMasterId id="2147483662" r:id="rId1"/>
   </p:sldMasterIdLst>
   <p:notesMasterIdLst>
-    <p:notesMasterId r:id="rId17"/>
+    <p:notesMasterId r:id="rId18"/>
   </p:notesMasterIdLst>
   <p:sldIdLst>
     <p:sldId id="256" r:id="rId2"/>
@@ -19,48 +19,49 @@
     <p:sldId id="267" r:id="rId10"/>
     <p:sldId id="268" r:id="rId11"/>
     <p:sldId id="269" r:id="rId12"/>
-    <p:sldId id="276" r:id="rId13"/>
-    <p:sldId id="277" r:id="rId14"/>
-    <p:sldId id="278" r:id="rId15"/>
-    <p:sldId id="279" r:id="rId16"/>
+    <p:sldId id="280" r:id="rId13"/>
+    <p:sldId id="276" r:id="rId14"/>
+    <p:sldId id="277" r:id="rId15"/>
+    <p:sldId id="278" r:id="rId16"/>
+    <p:sldId id="279" r:id="rId17"/>
   </p:sldIdLst>
   <p:sldSz cx="9144000" cy="5143500" type="screen16x9"/>
   <p:notesSz cx="6858000" cy="9144000"/>
   <p:embeddedFontLst>
     <p:embeddedFont>
       <p:font typeface="Calibri" panose="020F0502020204030204" pitchFamily="34" charset="0"/>
-      <p:regular r:id="rId18"/>
-      <p:bold r:id="rId19"/>
-      <p:italic r:id="rId20"/>
-      <p:boldItalic r:id="rId21"/>
+      <p:regular r:id="rId19"/>
+      <p:bold r:id="rId20"/>
+      <p:italic r:id="rId21"/>
+      <p:boldItalic r:id="rId22"/>
     </p:embeddedFont>
     <p:embeddedFont>
       <p:font typeface="Helvetica Neue" panose="020B0604020202020204" charset="0"/>
-      <p:regular r:id="rId22"/>
-      <p:bold r:id="rId23"/>
-      <p:italic r:id="rId24"/>
-      <p:boldItalic r:id="rId25"/>
+      <p:regular r:id="rId23"/>
+      <p:bold r:id="rId24"/>
+      <p:italic r:id="rId25"/>
+      <p:boldItalic r:id="rId26"/>
     </p:embeddedFont>
     <p:embeddedFont>
       <p:font typeface="Montserrat" panose="00000500000000000000" pitchFamily="2" charset="0"/>
-      <p:regular r:id="rId26"/>
-      <p:bold r:id="rId27"/>
-      <p:italic r:id="rId28"/>
-      <p:boldItalic r:id="rId29"/>
+      <p:regular r:id="rId27"/>
+      <p:bold r:id="rId28"/>
+      <p:italic r:id="rId29"/>
+      <p:boldItalic r:id="rId30"/>
     </p:embeddedFont>
     <p:embeddedFont>
       <p:font typeface="Poppins" panose="00000500000000000000" pitchFamily="2" charset="0"/>
-      <p:regular r:id="rId30"/>
-      <p:bold r:id="rId31"/>
-      <p:italic r:id="rId32"/>
-      <p:boldItalic r:id="rId33"/>
+      <p:regular r:id="rId31"/>
+      <p:bold r:id="rId32"/>
+      <p:italic r:id="rId33"/>
+      <p:boldItalic r:id="rId34"/>
     </p:embeddedFont>
     <p:embeddedFont>
       <p:font typeface="Raleway" pitchFamily="2" charset="0"/>
-      <p:regular r:id="rId34"/>
-      <p:bold r:id="rId35"/>
-      <p:italic r:id="rId36"/>
-      <p:boldItalic r:id="rId37"/>
+      <p:regular r:id="rId35"/>
+      <p:bold r:id="rId36"/>
+      <p:italic r:id="rId37"/>
+      <p:boldItalic r:id="rId38"/>
     </p:embeddedFont>
   </p:embeddedFontLst>
   <p:defaultTextStyle>
@@ -1105,7 +1106,7 @@
   <p:cSld>
     <p:spTree>
       <p:nvGrpSpPr>
-        <p:cNvPr id="1" name="Shape 454"/>
+        <p:cNvPr id="1" name="Shape 316"/>
         <p:cNvGrpSpPr/>
         <p:nvPr/>
       </p:nvGrpSpPr>
@@ -1119,111 +1120,7 @@
       </p:grpSpPr>
       <p:sp>
         <p:nvSpPr>
-          <p:cNvPr id="455" name="Google Shape;455;g1e6c6587bd4_2_151:notes"/>
-          <p:cNvSpPr>
-            <a:spLocks noGrp="1" noRot="1" noChangeAspect="1"/>
-          </p:cNvSpPr>
-          <p:nvPr>
-            <p:ph type="sldImg" idx="2"/>
-          </p:nvPr>
-        </p:nvSpPr>
-        <p:spPr>
-          <a:xfrm>
-            <a:off x="381000" y="685800"/>
-            <a:ext cx="6096000" cy="3429000"/>
-          </a:xfrm>
-          <a:custGeom>
-            <a:avLst/>
-            <a:gdLst/>
-            <a:ahLst/>
-            <a:cxnLst/>
-            <a:rect l="l" t="t" r="r" b="b"/>
-            <a:pathLst>
-              <a:path w="120000" h="120000" extrusionOk="0">
-                <a:moveTo>
-                  <a:pt x="0" y="0"/>
-                </a:moveTo>
-                <a:lnTo>
-                  <a:pt x="120000" y="0"/>
-                </a:lnTo>
-                <a:lnTo>
-                  <a:pt x="120000" y="120000"/>
-                </a:lnTo>
-                <a:lnTo>
-                  <a:pt x="0" y="120000"/>
-                </a:lnTo>
-                <a:close/>
-              </a:path>
-            </a:pathLst>
-          </a:custGeom>
-        </p:spPr>
-      </p:sp>
-      <p:sp>
-        <p:nvSpPr>
-          <p:cNvPr id="456" name="Google Shape;456;g1e6c6587bd4_2_151:notes"/>
-          <p:cNvSpPr txBox="1">
-            <a:spLocks noGrp="1"/>
-          </p:cNvSpPr>
-          <p:nvPr>
-            <p:ph type="body" idx="1"/>
-          </p:nvPr>
-        </p:nvSpPr>
-        <p:spPr>
-          <a:xfrm>
-            <a:off x="685800" y="4343400"/>
-            <a:ext cx="5486400" cy="4114800"/>
-          </a:xfrm>
-          <a:prstGeom prst="rect">
-            <a:avLst/>
-          </a:prstGeom>
-        </p:spPr>
-        <p:txBody>
-          <a:bodyPr spcFirstLastPara="1" wrap="square" lIns="91425" tIns="91425" rIns="91425" bIns="91425" anchor="t" anchorCtr="0">
-            <a:noAutofit/>
-          </a:bodyPr>
-          <a:lstStyle/>
-          <a:p>
-            <a:pPr marL="0" lvl="0" indent="0" algn="l" rtl="0">
-              <a:spcBef>
-                <a:spcPts val="0"/>
-              </a:spcBef>
-              <a:spcAft>
-                <a:spcPts val="0"/>
-              </a:spcAft>
-              <a:buNone/>
-            </a:pPr>
-            <a:endParaRPr/>
-          </a:p>
-        </p:txBody>
-      </p:sp>
-    </p:spTree>
-  </p:cSld>
-  <p:clrMapOvr>
-    <a:masterClrMapping/>
-  </p:clrMapOvr>
-</p:notes>
-</file>
-
-<file path=ppt/notesSlides/notesSlide13.xml><?xml version="1.0" encoding="utf-8"?>
-<p:notes xmlns:a="http://schemas.openxmlformats.org/drawingml/2006/main" xmlns:r="http://schemas.openxmlformats.org/officeDocument/2006/relationships" xmlns:p="http://schemas.openxmlformats.org/presentationml/2006/main" showMasterSp="0" showMasterPhAnim="0">
-  <p:cSld>
-    <p:spTree>
-      <p:nvGrpSpPr>
-        <p:cNvPr id="1" name="Shape 463"/>
-        <p:cNvGrpSpPr/>
-        <p:nvPr/>
-      </p:nvGrpSpPr>
-      <p:grpSpPr>
-        <a:xfrm>
-          <a:off x="0" y="0"/>
-          <a:ext cx="0" cy="0"/>
-          <a:chOff x="0" y="0"/>
-          <a:chExt cx="0" cy="0"/>
-        </a:xfrm>
-      </p:grpSpPr>
-      <p:sp>
-        <p:nvSpPr>
-          <p:cNvPr id="464" name="Google Shape;464;g1e6c6587bd4_2_170:notes"/>
+          <p:cNvPr id="317" name="Google Shape;317;g1e6cdda8a24_2_0:notes"/>
           <p:cNvSpPr>
             <a:spLocks noGrp="1" noRot="1" noChangeAspect="1"/>
           </p:cNvSpPr>
@@ -1274,7 +1171,7 @@
       </p:sp>
       <p:sp>
         <p:nvSpPr>
-          <p:cNvPr id="465" name="Google Shape;465;g1e6c6587bd4_2_170:notes"/>
+          <p:cNvPr id="318" name="Google Shape;318;g1e6cdda8a24_2_0:notes"/>
           <p:cNvSpPr txBox="1">
             <a:spLocks noGrp="1"/>
           </p:cNvSpPr>
@@ -1312,6 +1209,115 @@
                 <a:spcPts val="0"/>
               </a:spcAft>
               <a:buSzPts val="1100"/>
+              <a:buNone/>
+            </a:pPr>
+            <a:endParaRPr/>
+          </a:p>
+        </p:txBody>
+      </p:sp>
+    </p:spTree>
+    <p:extLst>
+      <p:ext uri="{BB962C8B-B14F-4D97-AF65-F5344CB8AC3E}">
+        <p14:creationId xmlns:p14="http://schemas.microsoft.com/office/powerpoint/2010/main" val="2642015801"/>
+      </p:ext>
+    </p:extLst>
+  </p:cSld>
+  <p:clrMapOvr>
+    <a:masterClrMapping/>
+  </p:clrMapOvr>
+</p:notes>
+</file>
+
+<file path=ppt/notesSlides/notesSlide13.xml><?xml version="1.0" encoding="utf-8"?>
+<p:notes xmlns:a="http://schemas.openxmlformats.org/drawingml/2006/main" xmlns:r="http://schemas.openxmlformats.org/officeDocument/2006/relationships" xmlns:p="http://schemas.openxmlformats.org/presentationml/2006/main" showMasterSp="0" showMasterPhAnim="0">
+  <p:cSld>
+    <p:spTree>
+      <p:nvGrpSpPr>
+        <p:cNvPr id="1" name="Shape 454"/>
+        <p:cNvGrpSpPr/>
+        <p:nvPr/>
+      </p:nvGrpSpPr>
+      <p:grpSpPr>
+        <a:xfrm>
+          <a:off x="0" y="0"/>
+          <a:ext cx="0" cy="0"/>
+          <a:chOff x="0" y="0"/>
+          <a:chExt cx="0" cy="0"/>
+        </a:xfrm>
+      </p:grpSpPr>
+      <p:sp>
+        <p:nvSpPr>
+          <p:cNvPr id="455" name="Google Shape;455;g1e6c6587bd4_2_151:notes"/>
+          <p:cNvSpPr>
+            <a:spLocks noGrp="1" noRot="1" noChangeAspect="1"/>
+          </p:cNvSpPr>
+          <p:nvPr>
+            <p:ph type="sldImg" idx="2"/>
+          </p:nvPr>
+        </p:nvSpPr>
+        <p:spPr>
+          <a:xfrm>
+            <a:off x="381000" y="685800"/>
+            <a:ext cx="6096000" cy="3429000"/>
+          </a:xfrm>
+          <a:custGeom>
+            <a:avLst/>
+            <a:gdLst/>
+            <a:ahLst/>
+            <a:cxnLst/>
+            <a:rect l="l" t="t" r="r" b="b"/>
+            <a:pathLst>
+              <a:path w="120000" h="120000" extrusionOk="0">
+                <a:moveTo>
+                  <a:pt x="0" y="0"/>
+                </a:moveTo>
+                <a:lnTo>
+                  <a:pt x="120000" y="0"/>
+                </a:lnTo>
+                <a:lnTo>
+                  <a:pt x="120000" y="120000"/>
+                </a:lnTo>
+                <a:lnTo>
+                  <a:pt x="0" y="120000"/>
+                </a:lnTo>
+                <a:close/>
+              </a:path>
+            </a:pathLst>
+          </a:custGeom>
+        </p:spPr>
+      </p:sp>
+      <p:sp>
+        <p:nvSpPr>
+          <p:cNvPr id="456" name="Google Shape;456;g1e6c6587bd4_2_151:notes"/>
+          <p:cNvSpPr txBox="1">
+            <a:spLocks noGrp="1"/>
+          </p:cNvSpPr>
+          <p:nvPr>
+            <p:ph type="body" idx="1"/>
+          </p:nvPr>
+        </p:nvSpPr>
+        <p:spPr>
+          <a:xfrm>
+            <a:off x="685800" y="4343400"/>
+            <a:ext cx="5486400" cy="4114800"/>
+          </a:xfrm>
+          <a:prstGeom prst="rect">
+            <a:avLst/>
+          </a:prstGeom>
+        </p:spPr>
+        <p:txBody>
+          <a:bodyPr spcFirstLastPara="1" wrap="square" lIns="91425" tIns="91425" rIns="91425" bIns="91425" anchor="t" anchorCtr="0">
+            <a:noAutofit/>
+          </a:bodyPr>
+          <a:lstStyle/>
+          <a:p>
+            <a:pPr marL="0" lvl="0" indent="0" algn="l" rtl="0">
+              <a:spcBef>
+                <a:spcPts val="0"/>
+              </a:spcBef>
+              <a:spcAft>
+                <a:spcPts val="0"/>
+              </a:spcAft>
               <a:buNone/>
             </a:pPr>
             <a:endParaRPr/>
@@ -1331,7 +1337,7 @@
   <p:cSld>
     <p:spTree>
       <p:nvGrpSpPr>
-        <p:cNvPr id="1" name="Shape 486"/>
+        <p:cNvPr id="1" name="Shape 463"/>
         <p:cNvGrpSpPr/>
         <p:nvPr/>
       </p:nvGrpSpPr>
@@ -1345,7 +1351,7 @@
       </p:grpSpPr>
       <p:sp>
         <p:nvSpPr>
-          <p:cNvPr id="487" name="Google Shape;487;g1e6c6587bd4_2_191:notes"/>
+          <p:cNvPr id="464" name="Google Shape;464;g1e6c6587bd4_2_170:notes"/>
           <p:cNvSpPr>
             <a:spLocks noGrp="1" noRot="1" noChangeAspect="1"/>
           </p:cNvSpPr>
@@ -1396,7 +1402,7 @@
       </p:sp>
       <p:sp>
         <p:nvSpPr>
-          <p:cNvPr id="488" name="Google Shape;488;g1e6c6587bd4_2_191:notes"/>
+          <p:cNvPr id="465" name="Google Shape;465;g1e6c6587bd4_2_170:notes"/>
           <p:cNvSpPr txBox="1">
             <a:spLocks noGrp="1"/>
           </p:cNvSpPr>
@@ -1449,6 +1455,128 @@
 </file>
 
 <file path=ppt/notesSlides/notesSlide15.xml><?xml version="1.0" encoding="utf-8"?>
+<p:notes xmlns:a="http://schemas.openxmlformats.org/drawingml/2006/main" xmlns:r="http://schemas.openxmlformats.org/officeDocument/2006/relationships" xmlns:p="http://schemas.openxmlformats.org/presentationml/2006/main" showMasterSp="0" showMasterPhAnim="0">
+  <p:cSld>
+    <p:spTree>
+      <p:nvGrpSpPr>
+        <p:cNvPr id="1" name="Shape 486"/>
+        <p:cNvGrpSpPr/>
+        <p:nvPr/>
+      </p:nvGrpSpPr>
+      <p:grpSpPr>
+        <a:xfrm>
+          <a:off x="0" y="0"/>
+          <a:ext cx="0" cy="0"/>
+          <a:chOff x="0" y="0"/>
+          <a:chExt cx="0" cy="0"/>
+        </a:xfrm>
+      </p:grpSpPr>
+      <p:sp>
+        <p:nvSpPr>
+          <p:cNvPr id="487" name="Google Shape;487;g1e6c6587bd4_2_191:notes"/>
+          <p:cNvSpPr>
+            <a:spLocks noGrp="1" noRot="1" noChangeAspect="1"/>
+          </p:cNvSpPr>
+          <p:nvPr>
+            <p:ph type="sldImg" idx="2"/>
+          </p:nvPr>
+        </p:nvSpPr>
+        <p:spPr>
+          <a:xfrm>
+            <a:off x="381000" y="685800"/>
+            <a:ext cx="6096000" cy="3429000"/>
+          </a:xfrm>
+          <a:custGeom>
+            <a:avLst/>
+            <a:gdLst/>
+            <a:ahLst/>
+            <a:cxnLst/>
+            <a:rect l="l" t="t" r="r" b="b"/>
+            <a:pathLst>
+              <a:path w="120000" h="120000" extrusionOk="0">
+                <a:moveTo>
+                  <a:pt x="0" y="0"/>
+                </a:moveTo>
+                <a:lnTo>
+                  <a:pt x="120000" y="0"/>
+                </a:lnTo>
+                <a:lnTo>
+                  <a:pt x="120000" y="120000"/>
+                </a:lnTo>
+                <a:lnTo>
+                  <a:pt x="0" y="120000"/>
+                </a:lnTo>
+                <a:close/>
+              </a:path>
+            </a:pathLst>
+          </a:custGeom>
+          <a:noFill/>
+          <a:ln w="9525" cap="flat" cmpd="sng">
+            <a:solidFill>
+              <a:srgbClr val="000000"/>
+            </a:solidFill>
+            <a:prstDash val="solid"/>
+            <a:round/>
+            <a:headEnd type="none" w="sm" len="sm"/>
+            <a:tailEnd type="none" w="sm" len="sm"/>
+          </a:ln>
+        </p:spPr>
+      </p:sp>
+      <p:sp>
+        <p:nvSpPr>
+          <p:cNvPr id="488" name="Google Shape;488;g1e6c6587bd4_2_191:notes"/>
+          <p:cNvSpPr txBox="1">
+            <a:spLocks noGrp="1"/>
+          </p:cNvSpPr>
+          <p:nvPr>
+            <p:ph type="body" idx="1"/>
+          </p:nvPr>
+        </p:nvSpPr>
+        <p:spPr>
+          <a:xfrm>
+            <a:off x="685800" y="4343400"/>
+            <a:ext cx="5486400" cy="4114800"/>
+          </a:xfrm>
+          <a:prstGeom prst="rect">
+            <a:avLst/>
+          </a:prstGeom>
+          <a:noFill/>
+          <a:ln>
+            <a:noFill/>
+          </a:ln>
+        </p:spPr>
+        <p:txBody>
+          <a:bodyPr spcFirstLastPara="1" wrap="square" lIns="91425" tIns="91425" rIns="91425" bIns="91425" anchor="t" anchorCtr="0">
+            <a:noAutofit/>
+          </a:bodyPr>
+          <a:lstStyle/>
+          <a:p>
+            <a:pPr marL="0" lvl="0" indent="0" algn="l" rtl="0">
+              <a:lnSpc>
+                <a:spcPct val="100000"/>
+              </a:lnSpc>
+              <a:spcBef>
+                <a:spcPts val="0"/>
+              </a:spcBef>
+              <a:spcAft>
+                <a:spcPts val="0"/>
+              </a:spcAft>
+              <a:buSzPts val="1100"/>
+              <a:buNone/>
+            </a:pPr>
+            <a:endParaRPr/>
+          </a:p>
+        </p:txBody>
+      </p:sp>
+    </p:spTree>
+  </p:cSld>
+  <p:clrMapOvr>
+    <a:masterClrMapping/>
+  </p:clrMapOvr>
+</p:notes>
+</file>
+
+<file path=ppt/notesSlides/notesSlide16.xml><?xml version="1.0" encoding="utf-8"?>
 <p:notes xmlns:a="http://schemas.openxmlformats.org/drawingml/2006/main" xmlns:r="http://schemas.openxmlformats.org/officeDocument/2006/relationships" xmlns:p="http://schemas.openxmlformats.org/presentationml/2006/main" showMasterSp="0" showMasterPhAnim="0">
   <p:cSld>
     <p:spTree>
@@ -10140,7 +10268,7 @@
           <p:spPr>
             <a:xfrm>
               <a:off x="565413" y="82068"/>
-              <a:ext cx="8872500" cy="358200"/>
+              <a:ext cx="8872499" cy="358200"/>
             </a:xfrm>
             <a:prstGeom prst="rect">
               <a:avLst/>
@@ -10166,7 +10294,7 @@
                 <a:buNone/>
               </a:pPr>
               <a:r>
-                <a:rPr lang="en" b="1">
+                <a:rPr lang="en" b="1" dirty="0">
                   <a:solidFill>
                     <a:schemeClr val="lt1"/>
                   </a:solidFill>
@@ -10175,9 +10303,9 @@
                   <a:cs typeface="Poppins"/>
                   <a:sym typeface="Poppins"/>
                 </a:rPr>
-                <a:t>Insights: Dectomax - Impacto</a:t>
+                <a:t>Clusterização: Análise das categorias</a:t>
               </a:r>
-              <a:endParaRPr b="1">
+              <a:endParaRPr b="1" dirty="0">
                 <a:solidFill>
                   <a:schemeClr val="lt1"/>
                 </a:solidFill>
@@ -10197,7 +10325,7 @@
                 </a:spcAft>
                 <a:buNone/>
               </a:pPr>
-              <a:endParaRPr b="1">
+              <a:endParaRPr b="1" dirty="0">
                 <a:solidFill>
                   <a:schemeClr val="lt1"/>
                 </a:solidFill>
@@ -10271,6 +10399,417 @@
           </p:txBody>
         </p:sp>
       </p:grpSp>
+      <p:pic>
+        <p:nvPicPr>
+          <p:cNvPr id="3" name="Imagem 2">
+            <a:extLst>
+              <a:ext uri="{FF2B5EF4-FFF2-40B4-BE49-F238E27FC236}">
+                <a16:creationId xmlns:a16="http://schemas.microsoft.com/office/drawing/2014/main" id="{BC2242C0-8B98-799E-E7E4-23F4C2A99AFB}"/>
+              </a:ext>
+            </a:extLst>
+          </p:cNvPr>
+          <p:cNvPicPr>
+            <a:picLocks noChangeAspect="1"/>
+          </p:cNvPicPr>
+          <p:nvPr/>
+        </p:nvPicPr>
+        <p:blipFill>
+          <a:blip r:embed="rId4"/>
+          <a:stretch>
+            <a:fillRect/>
+          </a:stretch>
+        </p:blipFill>
+        <p:spPr>
+          <a:xfrm>
+            <a:off x="85677" y="401967"/>
+            <a:ext cx="4571999" cy="1782185"/>
+          </a:xfrm>
+          <a:prstGeom prst="rect">
+            <a:avLst/>
+          </a:prstGeom>
+        </p:spPr>
+      </p:pic>
+      <p:sp>
+        <p:nvSpPr>
+          <p:cNvPr id="4" name="CaixaDeTexto 3">
+            <a:extLst>
+              <a:ext uri="{FF2B5EF4-FFF2-40B4-BE49-F238E27FC236}">
+                <a16:creationId xmlns:a16="http://schemas.microsoft.com/office/drawing/2014/main" id="{30331FC8-8847-9313-F02E-A2FAA465B8EF}"/>
+              </a:ext>
+            </a:extLst>
+          </p:cNvPr>
+          <p:cNvSpPr txBox="1"/>
+          <p:nvPr/>
+        </p:nvSpPr>
+        <p:spPr>
+          <a:xfrm>
+            <a:off x="171304" y="3575999"/>
+            <a:ext cx="8972646" cy="1323439"/>
+          </a:xfrm>
+          <a:prstGeom prst="rect">
+            <a:avLst/>
+          </a:prstGeom>
+          <a:noFill/>
+        </p:spPr>
+        <p:txBody>
+          <a:bodyPr wrap="square" rtlCol="0">
+            <a:spAutoFit/>
+          </a:bodyPr>
+          <a:lstStyle/>
+          <a:p>
+            <a:pPr marL="228600" indent="-228600">
+              <a:buAutoNum type="arabicPeriod"/>
+            </a:pPr>
+            <a:r>
+              <a:rPr lang="pt-BR" sz="1000" dirty="0"/>
+              <a:t>Excluímos pouco menos de 10% do total de jogos, pois apresentavam categorias de jogos específicas e não presentes em outros jogos.  Com isso, obtivemos um </a:t>
+            </a:r>
+            <a:r>
+              <a:rPr lang="pt-BR" sz="1000" dirty="0" err="1"/>
+              <a:t>silhouette</a:t>
+            </a:r>
+            <a:r>
+              <a:rPr lang="pt-BR" sz="1000" dirty="0"/>
+              <a:t> score de 83,3%</a:t>
+            </a:r>
+          </a:p>
+          <a:p>
+            <a:pPr marL="228600" indent="-228600">
+              <a:buAutoNum type="arabicPeriod"/>
+            </a:pPr>
+            <a:r>
+              <a:rPr lang="pt-BR" sz="1000" dirty="0"/>
+              <a:t>Após a clusterização, podemos atribuir às seguintes características dos </a:t>
+            </a:r>
+            <a:r>
+              <a:rPr lang="pt-BR" sz="1000" dirty="0" err="1"/>
+              <a:t>clusteres</a:t>
+            </a:r>
+            <a:r>
+              <a:rPr lang="pt-BR" sz="1000" dirty="0"/>
+              <a:t>:</a:t>
+            </a:r>
+            <a:br>
+              <a:rPr lang="pt-BR" sz="1000" dirty="0"/>
+            </a:br>
+            <a:r>
+              <a:rPr lang="pt-BR" sz="1000" dirty="0"/>
+              <a:t>Cluster 0: Segundo maior cluster, que aborda quase todos os jogos de cartas, sendo também alguns de fantasia, humor e para festas.</a:t>
+            </a:r>
+            <a:br>
+              <a:rPr lang="pt-BR" sz="1000" dirty="0"/>
+            </a:br>
+            <a:r>
+              <a:rPr lang="pt-BR" sz="1000" dirty="0"/>
+              <a:t>Cluster 1*: Maior Cluster, contém milhares jogos com mais variadas categorias, com destaque para estratégia, DADOS, fantasia, econômicos e infantis.</a:t>
+            </a:r>
+            <a:br>
+              <a:rPr lang="pt-BR" sz="1000" dirty="0"/>
+            </a:br>
+            <a:r>
+              <a:rPr lang="pt-BR" sz="1000" dirty="0"/>
+              <a:t>Cluster 2: Cluster que aborda quase todos os jogos relacionado a guerras. O cluster 1 apresenta maior número de jogos com ficção científica (638)</a:t>
+            </a:r>
+            <a:br>
+              <a:rPr lang="pt-BR" sz="1000" dirty="0"/>
+            </a:br>
+            <a:r>
+              <a:rPr lang="pt-BR" sz="1000" dirty="0"/>
+              <a:t>Cluster 3: Menor e mais distante do outros </a:t>
+            </a:r>
+            <a:r>
+              <a:rPr lang="pt-BR" sz="1000" dirty="0" err="1"/>
+              <a:t>clusteres</a:t>
+            </a:r>
+            <a:r>
+              <a:rPr lang="pt-BR" sz="1000" dirty="0"/>
+              <a:t>. Aborda alguns jogos de cartas relacionados a guerras, alguns com dados e outros com fantasias.</a:t>
+            </a:r>
+          </a:p>
+          <a:p>
+            <a:pPr marL="228600" indent="-228600">
+              <a:buAutoNum type="arabicPeriod"/>
+            </a:pPr>
+            <a:endParaRPr lang="pt-BR" sz="1000" dirty="0"/>
+          </a:p>
+        </p:txBody>
+      </p:sp>
+      <p:sp>
+        <p:nvSpPr>
+          <p:cNvPr id="5" name="CaixaDeTexto 4">
+            <a:extLst>
+              <a:ext uri="{FF2B5EF4-FFF2-40B4-BE49-F238E27FC236}">
+                <a16:creationId xmlns:a16="http://schemas.microsoft.com/office/drawing/2014/main" id="{10B5642B-8CCA-5890-40BC-DD9E4374242A}"/>
+              </a:ext>
+            </a:extLst>
+          </p:cNvPr>
+          <p:cNvSpPr txBox="1"/>
+          <p:nvPr/>
+        </p:nvSpPr>
+        <p:spPr>
+          <a:xfrm>
+            <a:off x="1730602" y="1248879"/>
+            <a:ext cx="284052" cy="307777"/>
+          </a:xfrm>
+          <a:prstGeom prst="rect">
+            <a:avLst/>
+          </a:prstGeom>
+          <a:noFill/>
+        </p:spPr>
+        <p:txBody>
+          <a:bodyPr wrap="square" rtlCol="0">
+            <a:spAutoFit/>
+          </a:bodyPr>
+          <a:lstStyle/>
+          <a:p>
+            <a:r>
+              <a:rPr lang="pt-BR" b="1" dirty="0">
+                <a:solidFill>
+                  <a:srgbClr val="7030A0"/>
+                </a:solidFill>
+              </a:rPr>
+              <a:t>1</a:t>
+            </a:r>
+          </a:p>
+        </p:txBody>
+      </p:sp>
+      <p:sp>
+        <p:nvSpPr>
+          <p:cNvPr id="6" name="CaixaDeTexto 5">
+            <a:extLst>
+              <a:ext uri="{FF2B5EF4-FFF2-40B4-BE49-F238E27FC236}">
+                <a16:creationId xmlns:a16="http://schemas.microsoft.com/office/drawing/2014/main" id="{07EB1640-E4EA-536F-944F-A181BF38B978}"/>
+              </a:ext>
+            </a:extLst>
+          </p:cNvPr>
+          <p:cNvSpPr txBox="1"/>
+          <p:nvPr/>
+        </p:nvSpPr>
+        <p:spPr>
+          <a:xfrm>
+            <a:off x="3323214" y="941102"/>
+            <a:ext cx="284052" cy="307777"/>
+          </a:xfrm>
+          <a:prstGeom prst="rect">
+            <a:avLst/>
+          </a:prstGeom>
+          <a:noFill/>
+        </p:spPr>
+        <p:txBody>
+          <a:bodyPr wrap="none" rtlCol="0">
+            <a:spAutoFit/>
+          </a:bodyPr>
+          <a:lstStyle/>
+          <a:p>
+            <a:r>
+              <a:rPr lang="pt-BR" b="1" dirty="0">
+                <a:solidFill>
+                  <a:srgbClr val="7030A0"/>
+                </a:solidFill>
+              </a:rPr>
+              <a:t>0</a:t>
+            </a:r>
+          </a:p>
+        </p:txBody>
+      </p:sp>
+      <p:sp>
+        <p:nvSpPr>
+          <p:cNvPr id="7" name="CaixaDeTexto 6">
+            <a:extLst>
+              <a:ext uri="{FF2B5EF4-FFF2-40B4-BE49-F238E27FC236}">
+                <a16:creationId xmlns:a16="http://schemas.microsoft.com/office/drawing/2014/main" id="{95577840-B3EA-E0A5-151E-0C65B00BD47D}"/>
+              </a:ext>
+            </a:extLst>
+          </p:cNvPr>
+          <p:cNvSpPr txBox="1"/>
+          <p:nvPr/>
+        </p:nvSpPr>
+        <p:spPr>
+          <a:xfrm>
+            <a:off x="577144" y="828660"/>
+            <a:ext cx="284052" cy="307777"/>
+          </a:xfrm>
+          <a:prstGeom prst="rect">
+            <a:avLst/>
+          </a:prstGeom>
+          <a:noFill/>
+        </p:spPr>
+        <p:txBody>
+          <a:bodyPr wrap="none" rtlCol="0">
+            <a:spAutoFit/>
+          </a:bodyPr>
+          <a:lstStyle/>
+          <a:p>
+            <a:r>
+              <a:rPr lang="pt-BR" b="1" dirty="0">
+                <a:solidFill>
+                  <a:srgbClr val="7030A0"/>
+                </a:solidFill>
+              </a:rPr>
+              <a:t>2</a:t>
+            </a:r>
+          </a:p>
+        </p:txBody>
+      </p:sp>
+      <p:sp>
+        <p:nvSpPr>
+          <p:cNvPr id="8" name="CaixaDeTexto 7">
+            <a:extLst>
+              <a:ext uri="{FF2B5EF4-FFF2-40B4-BE49-F238E27FC236}">
+                <a16:creationId xmlns:a16="http://schemas.microsoft.com/office/drawing/2014/main" id="{38514EA1-71D7-3AB0-4A24-4831B9D2D8BD}"/>
+              </a:ext>
+            </a:extLst>
+          </p:cNvPr>
+          <p:cNvSpPr txBox="1"/>
+          <p:nvPr/>
+        </p:nvSpPr>
+        <p:spPr>
+          <a:xfrm>
+            <a:off x="2006442" y="520410"/>
+            <a:ext cx="284053" cy="307777"/>
+          </a:xfrm>
+          <a:prstGeom prst="rect">
+            <a:avLst/>
+          </a:prstGeom>
+          <a:noFill/>
+        </p:spPr>
+        <p:txBody>
+          <a:bodyPr wrap="square" rtlCol="0">
+            <a:spAutoFit/>
+          </a:bodyPr>
+          <a:lstStyle/>
+          <a:p>
+            <a:r>
+              <a:rPr lang="pt-BR" b="1" dirty="0">
+                <a:solidFill>
+                  <a:srgbClr val="7030A0"/>
+                </a:solidFill>
+              </a:rPr>
+              <a:t>3</a:t>
+            </a:r>
+          </a:p>
+        </p:txBody>
+      </p:sp>
+      <p:pic>
+        <p:nvPicPr>
+          <p:cNvPr id="16" name="Imagem 15">
+            <a:extLst>
+              <a:ext uri="{FF2B5EF4-FFF2-40B4-BE49-F238E27FC236}">
+                <a16:creationId xmlns:a16="http://schemas.microsoft.com/office/drawing/2014/main" id="{C945B9CD-DDD8-76B7-45E5-C8D5C6208F34}"/>
+              </a:ext>
+            </a:extLst>
+          </p:cNvPr>
+          <p:cNvPicPr>
+            <a:picLocks noChangeAspect="1"/>
+          </p:cNvPicPr>
+          <p:nvPr/>
+        </p:nvPicPr>
+        <p:blipFill>
+          <a:blip r:embed="rId5"/>
+          <a:stretch>
+            <a:fillRect/>
+          </a:stretch>
+        </p:blipFill>
+        <p:spPr>
+          <a:xfrm>
+            <a:off x="4767635" y="415685"/>
+            <a:ext cx="3298414" cy="1782373"/>
+          </a:xfrm>
+          <a:prstGeom prst="rect">
+            <a:avLst/>
+          </a:prstGeom>
+        </p:spPr>
+      </p:pic>
+      <p:pic>
+        <p:nvPicPr>
+          <p:cNvPr id="18" name="Imagem 17">
+            <a:extLst>
+              <a:ext uri="{FF2B5EF4-FFF2-40B4-BE49-F238E27FC236}">
+                <a16:creationId xmlns:a16="http://schemas.microsoft.com/office/drawing/2014/main" id="{4A4CE144-E62A-F811-A7E2-52DE6B454446}"/>
+              </a:ext>
+            </a:extLst>
+          </p:cNvPr>
+          <p:cNvPicPr>
+            <a:picLocks noChangeAspect="1"/>
+          </p:cNvPicPr>
+          <p:nvPr/>
+        </p:nvPicPr>
+        <p:blipFill>
+          <a:blip r:embed="rId6"/>
+          <a:stretch>
+            <a:fillRect/>
+          </a:stretch>
+        </p:blipFill>
+        <p:spPr>
+          <a:xfrm>
+            <a:off x="85677" y="2090107"/>
+            <a:ext cx="2811712" cy="1495783"/>
+          </a:xfrm>
+          <a:prstGeom prst="rect">
+            <a:avLst/>
+          </a:prstGeom>
+        </p:spPr>
+      </p:pic>
+      <p:pic>
+        <p:nvPicPr>
+          <p:cNvPr id="20" name="Imagem 19">
+            <a:extLst>
+              <a:ext uri="{FF2B5EF4-FFF2-40B4-BE49-F238E27FC236}">
+                <a16:creationId xmlns:a16="http://schemas.microsoft.com/office/drawing/2014/main" id="{940CE8C1-61E2-28D8-6E04-B01A285CDB67}"/>
+              </a:ext>
+            </a:extLst>
+          </p:cNvPr>
+          <p:cNvPicPr>
+            <a:picLocks noChangeAspect="1"/>
+          </p:cNvPicPr>
+          <p:nvPr/>
+        </p:nvPicPr>
+        <p:blipFill>
+          <a:blip r:embed="rId7"/>
+          <a:stretch>
+            <a:fillRect/>
+          </a:stretch>
+        </p:blipFill>
+        <p:spPr>
+          <a:xfrm>
+            <a:off x="3077205" y="2084011"/>
+            <a:ext cx="2989590" cy="1584359"/>
+          </a:xfrm>
+          <a:prstGeom prst="rect">
+            <a:avLst/>
+          </a:prstGeom>
+        </p:spPr>
+      </p:pic>
+      <p:pic>
+        <p:nvPicPr>
+          <p:cNvPr id="22" name="Imagem 21">
+            <a:extLst>
+              <a:ext uri="{FF2B5EF4-FFF2-40B4-BE49-F238E27FC236}">
+                <a16:creationId xmlns:a16="http://schemas.microsoft.com/office/drawing/2014/main" id="{7B0D2F72-B560-A16E-C896-4D3AD3C80C3A}"/>
+              </a:ext>
+            </a:extLst>
+          </p:cNvPr>
+          <p:cNvPicPr>
+            <a:picLocks noChangeAspect="1"/>
+          </p:cNvPicPr>
+          <p:nvPr/>
+        </p:nvPicPr>
+        <p:blipFill>
+          <a:blip r:embed="rId8"/>
+          <a:stretch>
+            <a:fillRect/>
+          </a:stretch>
+        </p:blipFill>
+        <p:spPr>
+          <a:xfrm>
+            <a:off x="6006678" y="2074129"/>
+            <a:ext cx="2989590" cy="1594241"/>
+          </a:xfrm>
+          <a:prstGeom prst="rect">
+            <a:avLst/>
+          </a:prstGeom>
+        </p:spPr>
+      </p:pic>
     </p:spTree>
   </p:cSld>
   <p:clrMapOvr>
@@ -10280,6 +10819,539 @@
 </file>
 
 <file path=ppt/slides/slide12.xml><?xml version="1.0" encoding="utf-8"?>
+<p:sld xmlns:a="http://schemas.openxmlformats.org/drawingml/2006/main" xmlns:r="http://schemas.openxmlformats.org/officeDocument/2006/relationships" xmlns:p="http://schemas.openxmlformats.org/presentationml/2006/main">
+  <p:cSld>
+    <p:spTree>
+      <p:nvGrpSpPr>
+        <p:cNvPr id="1" name="Shape 319"/>
+        <p:cNvGrpSpPr/>
+        <p:nvPr/>
+      </p:nvGrpSpPr>
+      <p:grpSpPr>
+        <a:xfrm>
+          <a:off x="0" y="0"/>
+          <a:ext cx="0" cy="0"/>
+          <a:chOff x="0" y="0"/>
+          <a:chExt cx="0" cy="0"/>
+        </a:xfrm>
+      </p:grpSpPr>
+      <p:sp>
+        <p:nvSpPr>
+          <p:cNvPr id="320" name="Google Shape;320;p29"/>
+          <p:cNvSpPr/>
+          <p:nvPr/>
+        </p:nvSpPr>
+        <p:spPr>
+          <a:xfrm>
+            <a:off x="50" y="4753828"/>
+            <a:ext cx="9144000" cy="403500"/>
+          </a:xfrm>
+          <a:prstGeom prst="rect">
+            <a:avLst/>
+          </a:prstGeom>
+          <a:solidFill>
+            <a:srgbClr val="7030A0"/>
+          </a:solidFill>
+          <a:ln>
+            <a:noFill/>
+          </a:ln>
+        </p:spPr>
+        <p:txBody>
+          <a:bodyPr spcFirstLastPara="1" wrap="square" lIns="68575" tIns="34275" rIns="68575" bIns="34275" anchor="ctr" anchorCtr="0">
+            <a:noAutofit/>
+          </a:bodyPr>
+          <a:lstStyle/>
+          <a:p>
+            <a:pPr marL="0" marR="0" lvl="0" indent="0" algn="ctr" rtl="0">
+              <a:spcBef>
+                <a:spcPts val="0"/>
+              </a:spcBef>
+              <a:spcAft>
+                <a:spcPts val="0"/>
+              </a:spcAft>
+              <a:buNone/>
+            </a:pPr>
+            <a:endParaRPr sz="1400">
+              <a:solidFill>
+                <a:srgbClr val="9A9799"/>
+              </a:solidFill>
+              <a:latin typeface="Calibri"/>
+              <a:ea typeface="Calibri"/>
+              <a:cs typeface="Calibri"/>
+              <a:sym typeface="Calibri"/>
+            </a:endParaRPr>
+          </a:p>
+        </p:txBody>
+      </p:sp>
+      <p:pic>
+        <p:nvPicPr>
+          <p:cNvPr id="321" name="Google Shape;321;p29"/>
+          <p:cNvPicPr preferRelativeResize="0"/>
+          <p:nvPr/>
+        </p:nvPicPr>
+        <p:blipFill rotWithShape="1">
+          <a:blip r:embed="rId3">
+            <a:alphaModFix/>
+          </a:blip>
+          <a:srcRect/>
+          <a:stretch/>
+        </p:blipFill>
+        <p:spPr>
+          <a:xfrm>
+            <a:off x="8654899" y="4758677"/>
+            <a:ext cx="403424" cy="403424"/>
+          </a:xfrm>
+          <a:prstGeom prst="rect">
+            <a:avLst/>
+          </a:prstGeom>
+          <a:noFill/>
+          <a:ln>
+            <a:noFill/>
+          </a:ln>
+        </p:spPr>
+      </p:pic>
+      <p:grpSp>
+        <p:nvGrpSpPr>
+          <p:cNvPr id="322" name="Google Shape;322;p29"/>
+          <p:cNvGrpSpPr/>
+          <p:nvPr/>
+        </p:nvGrpSpPr>
+        <p:grpSpPr>
+          <a:xfrm>
+            <a:off x="102" y="-9"/>
+            <a:ext cx="9143897" cy="402354"/>
+            <a:chOff x="-243744" y="20"/>
+            <a:chExt cx="12435600" cy="540000"/>
+          </a:xfrm>
+          <a:solidFill>
+            <a:srgbClr val="7030A0"/>
+          </a:solidFill>
+        </p:grpSpPr>
+        <p:sp>
+          <p:nvSpPr>
+            <p:cNvPr id="323" name="Google Shape;323;p29"/>
+            <p:cNvSpPr/>
+            <p:nvPr/>
+          </p:nvSpPr>
+          <p:spPr>
+            <a:xfrm>
+              <a:off x="-243744" y="20"/>
+              <a:ext cx="12435600" cy="540000"/>
+            </a:xfrm>
+            <a:prstGeom prst="rect">
+              <a:avLst/>
+            </a:prstGeom>
+            <a:grpFill/>
+            <a:ln>
+              <a:noFill/>
+            </a:ln>
+          </p:spPr>
+          <p:txBody>
+            <a:bodyPr spcFirstLastPara="1" wrap="square" lIns="68575" tIns="34275" rIns="68575" bIns="34275" anchor="ctr" anchorCtr="0">
+              <a:noAutofit/>
+            </a:bodyPr>
+            <a:lstStyle/>
+            <a:p>
+              <a:pPr marL="0" marR="0" lvl="0" indent="0" algn="ctr" rtl="0">
+                <a:spcBef>
+                  <a:spcPts val="0"/>
+                </a:spcBef>
+                <a:spcAft>
+                  <a:spcPts val="0"/>
+                </a:spcAft>
+                <a:buNone/>
+              </a:pPr>
+              <a:endParaRPr sz="1400">
+                <a:solidFill>
+                  <a:schemeClr val="lt1"/>
+                </a:solidFill>
+                <a:latin typeface="Calibri"/>
+                <a:ea typeface="Calibri"/>
+                <a:cs typeface="Calibri"/>
+                <a:sym typeface="Calibri"/>
+              </a:endParaRPr>
+            </a:p>
+          </p:txBody>
+        </p:sp>
+        <p:sp>
+          <p:nvSpPr>
+            <p:cNvPr id="324" name="Google Shape;324;p29"/>
+            <p:cNvSpPr txBox="1"/>
+            <p:nvPr/>
+          </p:nvSpPr>
+          <p:spPr>
+            <a:xfrm>
+              <a:off x="565413" y="82068"/>
+              <a:ext cx="8872499" cy="358200"/>
+            </a:xfrm>
+            <a:prstGeom prst="rect">
+              <a:avLst/>
+            </a:prstGeom>
+            <a:grpFill/>
+            <a:ln>
+              <a:noFill/>
+            </a:ln>
+          </p:spPr>
+          <p:txBody>
+            <a:bodyPr spcFirstLastPara="1" wrap="square" lIns="68575" tIns="34275" rIns="68575" bIns="34275" anchor="t" anchorCtr="0">
+              <a:noAutofit/>
+            </a:bodyPr>
+            <a:lstStyle/>
+            <a:p>
+              <a:pPr marL="0" marR="0" lvl="0" indent="0" algn="l" rtl="0">
+                <a:spcBef>
+                  <a:spcPts val="0"/>
+                </a:spcBef>
+                <a:spcAft>
+                  <a:spcPts val="0"/>
+                </a:spcAft>
+                <a:buNone/>
+              </a:pPr>
+              <a:r>
+                <a:rPr lang="en" b="1" dirty="0">
+                  <a:solidFill>
+                    <a:schemeClr val="lt1"/>
+                  </a:solidFill>
+                  <a:latin typeface="Poppins"/>
+                  <a:ea typeface="Poppins"/>
+                  <a:cs typeface="Poppins"/>
+                  <a:sym typeface="Poppins"/>
+                </a:rPr>
+                <a:t>Clusterização: Análise das categorias</a:t>
+              </a:r>
+              <a:endParaRPr b="1" dirty="0">
+                <a:solidFill>
+                  <a:schemeClr val="lt1"/>
+                </a:solidFill>
+                <a:latin typeface="Poppins"/>
+                <a:ea typeface="Poppins"/>
+                <a:cs typeface="Poppins"/>
+                <a:sym typeface="Poppins"/>
+              </a:endParaRPr>
+            </a:p>
+            <a:p>
+              <a:pPr marL="0" marR="0" lvl="0" indent="0" algn="l" rtl="0">
+                <a:spcBef>
+                  <a:spcPts val="0"/>
+                </a:spcBef>
+                <a:spcAft>
+                  <a:spcPts val="0"/>
+                </a:spcAft>
+                <a:buNone/>
+              </a:pPr>
+              <a:endParaRPr b="1" dirty="0">
+                <a:solidFill>
+                  <a:schemeClr val="lt1"/>
+                </a:solidFill>
+                <a:latin typeface="Poppins"/>
+                <a:ea typeface="Poppins"/>
+                <a:cs typeface="Poppins"/>
+                <a:sym typeface="Poppins"/>
+              </a:endParaRPr>
+            </a:p>
+          </p:txBody>
+        </p:sp>
+        <p:sp>
+          <p:nvSpPr>
+            <p:cNvPr id="325" name="Google Shape;325;p29"/>
+            <p:cNvSpPr/>
+            <p:nvPr/>
+          </p:nvSpPr>
+          <p:spPr>
+            <a:xfrm>
+              <a:off x="117825" y="51513"/>
+              <a:ext cx="447600" cy="443100"/>
+            </a:xfrm>
+            <a:prstGeom prst="ellipse">
+              <a:avLst/>
+            </a:prstGeom>
+            <a:grpFill/>
+            <a:ln w="12700" cap="flat" cmpd="sng">
+              <a:solidFill>
+                <a:schemeClr val="lt2"/>
+              </a:solidFill>
+              <a:prstDash val="solid"/>
+              <a:miter lim="800000"/>
+              <a:headEnd type="none" w="sm" len="sm"/>
+              <a:tailEnd type="none" w="sm" len="sm"/>
+            </a:ln>
+          </p:spPr>
+          <p:txBody>
+            <a:bodyPr spcFirstLastPara="1" wrap="square" lIns="68575" tIns="34275" rIns="68575" bIns="34275" anchor="ctr" anchorCtr="0">
+              <a:noAutofit/>
+            </a:bodyPr>
+            <a:lstStyle/>
+            <a:p>
+              <a:pPr marL="0" marR="0" lvl="0" indent="0" algn="ctr" rtl="0">
+                <a:spcBef>
+                  <a:spcPts val="0"/>
+                </a:spcBef>
+                <a:spcAft>
+                  <a:spcPts val="0"/>
+                </a:spcAft>
+                <a:buNone/>
+              </a:pPr>
+              <a:r>
+                <a:rPr lang="en" sz="1100" b="1">
+                  <a:solidFill>
+                    <a:schemeClr val="lt1"/>
+                  </a:solidFill>
+                  <a:latin typeface="Poppins"/>
+                  <a:ea typeface="Poppins"/>
+                  <a:cs typeface="Poppins"/>
+                  <a:sym typeface="Poppins"/>
+                </a:rPr>
+                <a:t>3</a:t>
+              </a:r>
+              <a:endParaRPr sz="800" b="1">
+                <a:latin typeface="Poppins"/>
+                <a:ea typeface="Poppins"/>
+                <a:cs typeface="Poppins"/>
+                <a:sym typeface="Poppins"/>
+              </a:endParaRPr>
+            </a:p>
+          </p:txBody>
+        </p:sp>
+      </p:grpSp>
+      <p:cxnSp>
+        <p:nvCxnSpPr>
+          <p:cNvPr id="2" name="Google Shape;241;p25">
+            <a:extLst>
+              <a:ext uri="{FF2B5EF4-FFF2-40B4-BE49-F238E27FC236}">
+                <a16:creationId xmlns:a16="http://schemas.microsoft.com/office/drawing/2014/main" id="{242CD840-D243-6D91-AC17-756EB9AE3866}"/>
+              </a:ext>
+            </a:extLst>
+          </p:cNvPr>
+          <p:cNvCxnSpPr>
+            <a:cxnSpLocks/>
+          </p:cNvCxnSpPr>
+          <p:nvPr/>
+        </p:nvCxnSpPr>
+        <p:spPr>
+          <a:xfrm>
+            <a:off x="6156955" y="542228"/>
+            <a:ext cx="0" cy="4059044"/>
+          </a:xfrm>
+          <a:prstGeom prst="straightConnector1">
+            <a:avLst/>
+          </a:prstGeom>
+          <a:noFill/>
+          <a:ln w="9525" cap="flat" cmpd="sng">
+            <a:solidFill>
+              <a:schemeClr val="dk2"/>
+            </a:solidFill>
+            <a:prstDash val="solid"/>
+            <a:round/>
+            <a:headEnd type="none" w="med" len="med"/>
+            <a:tailEnd type="none" w="med" len="med"/>
+          </a:ln>
+        </p:spPr>
+      </p:cxnSp>
+      <p:sp>
+        <p:nvSpPr>
+          <p:cNvPr id="11" name="CaixaDeTexto 10">
+            <a:extLst>
+              <a:ext uri="{FF2B5EF4-FFF2-40B4-BE49-F238E27FC236}">
+                <a16:creationId xmlns:a16="http://schemas.microsoft.com/office/drawing/2014/main" id="{AA82B5E3-626F-3BD7-D3B2-11B5A0D9E937}"/>
+              </a:ext>
+            </a:extLst>
+          </p:cNvPr>
+          <p:cNvSpPr txBox="1"/>
+          <p:nvPr/>
+        </p:nvSpPr>
+        <p:spPr>
+          <a:xfrm>
+            <a:off x="6215690" y="441901"/>
+            <a:ext cx="3004499" cy="3354765"/>
+          </a:xfrm>
+          <a:prstGeom prst="rect">
+            <a:avLst/>
+          </a:prstGeom>
+          <a:noFill/>
+        </p:spPr>
+        <p:txBody>
+          <a:bodyPr wrap="square" rtlCol="0">
+            <a:spAutoFit/>
+          </a:bodyPr>
+          <a:lstStyle/>
+          <a:p>
+            <a:r>
+              <a:rPr lang="pt-BR" b="1" dirty="0">
+                <a:solidFill>
+                  <a:srgbClr val="7030A0"/>
+                </a:solidFill>
+              </a:rPr>
+              <a:t>Observações:</a:t>
+            </a:r>
+          </a:p>
+          <a:p>
+            <a:endParaRPr lang="pt-BR" b="1" dirty="0">
+              <a:solidFill>
+                <a:srgbClr val="7030A0"/>
+              </a:solidFill>
+            </a:endParaRPr>
+          </a:p>
+          <a:p>
+            <a:pPr marL="342900" indent="-342900">
+              <a:buAutoNum type="arabicPeriod"/>
+            </a:pPr>
+            <a:r>
+              <a:rPr lang="pt-BR" sz="1000" dirty="0">
+                <a:solidFill>
+                  <a:schemeClr val="tx1"/>
+                </a:solidFill>
+              </a:rPr>
+              <a:t>Não há diferenças significativas de nota média por cluster</a:t>
+            </a:r>
+          </a:p>
+          <a:p>
+            <a:pPr marL="342900" indent="-342900">
+              <a:buAutoNum type="arabicPeriod"/>
+            </a:pPr>
+            <a:endParaRPr lang="pt-BR" sz="1000" dirty="0">
+              <a:solidFill>
+                <a:schemeClr val="tx1"/>
+              </a:solidFill>
+            </a:endParaRPr>
+          </a:p>
+          <a:p>
+            <a:pPr marL="342900" indent="-342900">
+              <a:buAutoNum type="arabicPeriod"/>
+            </a:pPr>
+            <a:r>
+              <a:rPr lang="pt-BR" sz="1000" dirty="0">
+                <a:solidFill>
+                  <a:schemeClr val="tx1"/>
+                </a:solidFill>
+              </a:rPr>
+              <a:t>De imediato, vemos que, pelo cluster 0, jogos de cartas apresentam uma boa popularidade (</a:t>
+            </a:r>
+            <a:r>
+              <a:rPr lang="pt-BR" sz="1000" dirty="0" err="1">
+                <a:solidFill>
+                  <a:schemeClr val="tx1"/>
+                </a:solidFill>
+              </a:rPr>
+              <a:t>usersrated</a:t>
+            </a:r>
+            <a:r>
+              <a:rPr lang="pt-BR" sz="1000" dirty="0">
+                <a:solidFill>
+                  <a:schemeClr val="tx1"/>
+                </a:solidFill>
+              </a:rPr>
+              <a:t>), mas não uma demanda tão boa</a:t>
+            </a:r>
+          </a:p>
+          <a:p>
+            <a:pPr marL="342900" indent="-342900">
+              <a:buAutoNum type="arabicPeriod"/>
+            </a:pPr>
+            <a:endParaRPr lang="pt-BR" sz="1000" dirty="0">
+              <a:solidFill>
+                <a:schemeClr val="tx1"/>
+              </a:solidFill>
+            </a:endParaRPr>
+          </a:p>
+          <a:p>
+            <a:pPr marL="342900" indent="-342900">
+              <a:buAutoNum type="arabicPeriod"/>
+            </a:pPr>
+            <a:r>
+              <a:rPr lang="pt-BR" sz="1000" dirty="0">
+                <a:solidFill>
+                  <a:schemeClr val="tx1"/>
+                </a:solidFill>
+              </a:rPr>
+              <a:t>Comparando jogos de guerra com (3) ou sem (2) cartas, vemos que há uma demanda e popularidade média maior para jogos de guerra com cartas do que sem cartas. Tendo, então, em vista que o cluster 2 é o que possui jogos de guerras com miniaturas, uma separação valida é entre jogos de guerra com miniatura e jogos de guerra com carta.</a:t>
+            </a:r>
+          </a:p>
+          <a:p>
+            <a:pPr marL="342900" indent="-342900">
+              <a:buAutoNum type="arabicPeriod"/>
+            </a:pPr>
+            <a:endParaRPr lang="pt-BR" dirty="0">
+              <a:solidFill>
+                <a:schemeClr val="tx1"/>
+              </a:solidFill>
+            </a:endParaRPr>
+          </a:p>
+        </p:txBody>
+      </p:sp>
+      <p:pic>
+        <p:nvPicPr>
+          <p:cNvPr id="13" name="Imagem 12">
+            <a:extLst>
+              <a:ext uri="{FF2B5EF4-FFF2-40B4-BE49-F238E27FC236}">
+                <a16:creationId xmlns:a16="http://schemas.microsoft.com/office/drawing/2014/main" id="{8B4F9EE9-8267-8B04-6B39-FB292AB71BD5}"/>
+              </a:ext>
+            </a:extLst>
+          </p:cNvPr>
+          <p:cNvPicPr>
+            <a:picLocks noChangeAspect="1"/>
+          </p:cNvPicPr>
+          <p:nvPr/>
+        </p:nvPicPr>
+        <p:blipFill>
+          <a:blip r:embed="rId4"/>
+          <a:stretch>
+            <a:fillRect/>
+          </a:stretch>
+        </p:blipFill>
+        <p:spPr>
+          <a:xfrm>
+            <a:off x="-1" y="440713"/>
+            <a:ext cx="6156958" cy="2131038"/>
+          </a:xfrm>
+          <a:prstGeom prst="rect">
+            <a:avLst/>
+          </a:prstGeom>
+        </p:spPr>
+      </p:pic>
+      <p:pic>
+        <p:nvPicPr>
+          <p:cNvPr id="15" name="Imagem 14">
+            <a:extLst>
+              <a:ext uri="{FF2B5EF4-FFF2-40B4-BE49-F238E27FC236}">
+                <a16:creationId xmlns:a16="http://schemas.microsoft.com/office/drawing/2014/main" id="{815698A0-7F54-6335-9B85-29CBFCD7781B}"/>
+              </a:ext>
+            </a:extLst>
+          </p:cNvPr>
+          <p:cNvPicPr>
+            <a:picLocks noChangeAspect="1"/>
+          </p:cNvPicPr>
+          <p:nvPr/>
+        </p:nvPicPr>
+        <p:blipFill>
+          <a:blip r:embed="rId5"/>
+          <a:stretch>
+            <a:fillRect/>
+          </a:stretch>
+        </p:blipFill>
+        <p:spPr>
+          <a:xfrm>
+            <a:off x="-1" y="2543372"/>
+            <a:ext cx="6156956" cy="2176623"/>
+          </a:xfrm>
+          <a:prstGeom prst="rect">
+            <a:avLst/>
+          </a:prstGeom>
+        </p:spPr>
+      </p:pic>
+    </p:spTree>
+    <p:extLst>
+      <p:ext uri="{BB962C8B-B14F-4D97-AF65-F5344CB8AC3E}">
+        <p14:creationId xmlns:p14="http://schemas.microsoft.com/office/powerpoint/2010/main" val="849110579"/>
+      </p:ext>
+    </p:extLst>
+  </p:cSld>
+  <p:clrMapOvr>
+    <a:masterClrMapping/>
+  </p:clrMapOvr>
+</p:sld>
+</file>
+
+<file path=ppt/slides/slide13.xml><?xml version="1.0" encoding="utf-8"?>
 <p:sld xmlns:a="http://schemas.openxmlformats.org/drawingml/2006/main" xmlns:r="http://schemas.openxmlformats.org/officeDocument/2006/relationships" xmlns:p="http://schemas.openxmlformats.org/presentationml/2006/main">
   <p:cSld>
     <p:spTree>
@@ -10610,7 +11682,7 @@
 </p:sld>
 </file>
 
-<file path=ppt/slides/slide13.xml><?xml version="1.0" encoding="utf-8"?>
+<file path=ppt/slides/slide14.xml><?xml version="1.0" encoding="utf-8"?>
 <p:sld xmlns:a="http://schemas.openxmlformats.org/drawingml/2006/main" xmlns:r="http://schemas.openxmlformats.org/officeDocument/2006/relationships" xmlns:p="http://schemas.openxmlformats.org/presentationml/2006/main">
   <p:cSld>
     <p:spTree>
@@ -10913,7 +11985,7 @@
 </p:sld>
 </file>
 
-<file path=ppt/slides/slide14.xml><?xml version="1.0" encoding="utf-8"?>
+<file path=ppt/slides/slide15.xml><?xml version="1.0" encoding="utf-8"?>
 <p:sld xmlns:a="http://schemas.openxmlformats.org/drawingml/2006/main" xmlns:r="http://schemas.openxmlformats.org/officeDocument/2006/relationships" xmlns:p="http://schemas.openxmlformats.org/presentationml/2006/main">
   <p:cSld>
     <p:spTree>
@@ -11216,7 +12288,7 @@
 </p:sld>
 </file>
 
-<file path=ppt/slides/slide15.xml><?xml version="1.0" encoding="utf-8"?>
+<file path=ppt/slides/slide16.xml><?xml version="1.0" encoding="utf-8"?>
 <p:sld xmlns:a="http://schemas.openxmlformats.org/drawingml/2006/main" xmlns:r="http://schemas.openxmlformats.org/officeDocument/2006/relationships" xmlns:p="http://schemas.openxmlformats.org/presentationml/2006/main">
   <p:cSld>
     <p:spTree>
